--- a/进度/第二周.pptx
+++ b/进度/第二周.pptx
@@ -112,6 +112,11 @@
       </a:defRPr>
     </a:lvl9pPr>
   </p:defaultTextStyle>
+  <p:extLst>
+    <p:ext uri="{EFAFB233-063F-42B5-8137-9DF3F51BA10A}">
+      <p15:sldGuideLst xmlns:p15="http://schemas.microsoft.com/office/powerpoint/2012/main"/>
+    </p:ext>
+  </p:extLst>
 </p:presentation>
 </file>
 
@@ -246,7 +251,7 @@
           <a:p>
             <a:fld id="{080406EF-163A-4D08-8D16-7B6D48FDC3D5}" type="datetimeFigureOut">
               <a:rPr lang="zh-CN" altLang="en-US" smtClean="0"/>
-              <a:t>2015-07-20</a:t>
+              <a:t>2015-08-05</a:t>
             </a:fld>
             <a:endParaRPr lang="zh-CN" altLang="en-US"/>
           </a:p>
@@ -416,7 +421,7 @@
           <a:p>
             <a:fld id="{080406EF-163A-4D08-8D16-7B6D48FDC3D5}" type="datetimeFigureOut">
               <a:rPr lang="zh-CN" altLang="en-US" smtClean="0"/>
-              <a:t>2015-07-20</a:t>
+              <a:t>2015-08-05</a:t>
             </a:fld>
             <a:endParaRPr lang="zh-CN" altLang="en-US"/>
           </a:p>
@@ -596,7 +601,7 @@
           <a:p>
             <a:fld id="{080406EF-163A-4D08-8D16-7B6D48FDC3D5}" type="datetimeFigureOut">
               <a:rPr lang="zh-CN" altLang="en-US" smtClean="0"/>
-              <a:t>2015-07-20</a:t>
+              <a:t>2015-08-05</a:t>
             </a:fld>
             <a:endParaRPr lang="zh-CN" altLang="en-US"/>
           </a:p>
@@ -766,7 +771,7 @@
           <a:p>
             <a:fld id="{080406EF-163A-4D08-8D16-7B6D48FDC3D5}" type="datetimeFigureOut">
               <a:rPr lang="zh-CN" altLang="en-US" smtClean="0"/>
-              <a:t>2015-07-20</a:t>
+              <a:t>2015-08-05</a:t>
             </a:fld>
             <a:endParaRPr lang="zh-CN" altLang="en-US"/>
           </a:p>
@@ -1012,7 +1017,7 @@
           <a:p>
             <a:fld id="{080406EF-163A-4D08-8D16-7B6D48FDC3D5}" type="datetimeFigureOut">
               <a:rPr lang="zh-CN" altLang="en-US" smtClean="0"/>
-              <a:t>2015-07-20</a:t>
+              <a:t>2015-08-05</a:t>
             </a:fld>
             <a:endParaRPr lang="zh-CN" altLang="en-US"/>
           </a:p>
@@ -1244,7 +1249,7 @@
           <a:p>
             <a:fld id="{080406EF-163A-4D08-8D16-7B6D48FDC3D5}" type="datetimeFigureOut">
               <a:rPr lang="zh-CN" altLang="en-US" smtClean="0"/>
-              <a:t>2015-07-20</a:t>
+              <a:t>2015-08-05</a:t>
             </a:fld>
             <a:endParaRPr lang="zh-CN" altLang="en-US"/>
           </a:p>
@@ -1611,7 +1616,7 @@
           <a:p>
             <a:fld id="{080406EF-163A-4D08-8D16-7B6D48FDC3D5}" type="datetimeFigureOut">
               <a:rPr lang="zh-CN" altLang="en-US" smtClean="0"/>
-              <a:t>2015-07-20</a:t>
+              <a:t>2015-08-05</a:t>
             </a:fld>
             <a:endParaRPr lang="zh-CN" altLang="en-US"/>
           </a:p>
@@ -1729,7 +1734,7 @@
           <a:p>
             <a:fld id="{080406EF-163A-4D08-8D16-7B6D48FDC3D5}" type="datetimeFigureOut">
               <a:rPr lang="zh-CN" altLang="en-US" smtClean="0"/>
-              <a:t>2015-07-20</a:t>
+              <a:t>2015-08-05</a:t>
             </a:fld>
             <a:endParaRPr lang="zh-CN" altLang="en-US"/>
           </a:p>
@@ -1824,7 +1829,7 @@
           <a:p>
             <a:fld id="{080406EF-163A-4D08-8D16-7B6D48FDC3D5}" type="datetimeFigureOut">
               <a:rPr lang="zh-CN" altLang="en-US" smtClean="0"/>
-              <a:t>2015-07-20</a:t>
+              <a:t>2015-08-05</a:t>
             </a:fld>
             <a:endParaRPr lang="zh-CN" altLang="en-US"/>
           </a:p>
@@ -2101,7 +2106,7 @@
           <a:p>
             <a:fld id="{080406EF-163A-4D08-8D16-7B6D48FDC3D5}" type="datetimeFigureOut">
               <a:rPr lang="zh-CN" altLang="en-US" smtClean="0"/>
-              <a:t>2015-07-20</a:t>
+              <a:t>2015-08-05</a:t>
             </a:fld>
             <a:endParaRPr lang="zh-CN" altLang="en-US"/>
           </a:p>
@@ -2354,7 +2359,7 @@
           <a:p>
             <a:fld id="{080406EF-163A-4D08-8D16-7B6D48FDC3D5}" type="datetimeFigureOut">
               <a:rPr lang="zh-CN" altLang="en-US" smtClean="0"/>
-              <a:t>2015-07-20</a:t>
+              <a:t>2015-08-05</a:t>
             </a:fld>
             <a:endParaRPr lang="zh-CN" altLang="en-US"/>
           </a:p>
@@ -2567,7 +2572,7 @@
           <a:p>
             <a:fld id="{080406EF-163A-4D08-8D16-7B6D48FDC3D5}" type="datetimeFigureOut">
               <a:rPr lang="zh-CN" altLang="en-US" smtClean="0"/>
-              <a:t>2015-07-20</a:t>
+              <a:t>2015-08-05</a:t>
             </a:fld>
             <a:endParaRPr lang="zh-CN" altLang="en-US"/>
           </a:p>
@@ -3391,13 +3396,13 @@
             <p:ph idx="1"/>
             <p:extLst>
               <p:ext uri="{D42A27DB-BD31-4B8C-83A1-F6EECF244321}">
-                <p14:modId xmlns:p14="http://schemas.microsoft.com/office/powerpoint/2010/main" val="3896827872"/>
+                <p14:modId xmlns:p14="http://schemas.microsoft.com/office/powerpoint/2010/main" val="2762753077"/>
               </p:ext>
             </p:extLst>
           </p:nvPr>
         </p:nvGraphicFramePr>
         <p:xfrm>
-          <a:off x="1171975" y="1365163"/>
+          <a:off x="1171975" y="1378042"/>
           <a:ext cx="8757635" cy="2484157"/>
         </p:xfrm>
         <a:graphic>
@@ -3448,12 +3453,12 @@
                     <a:p>
                       <a:pPr algn="l" fontAlgn="ctr"/>
                       <a:r>
-                        <a:rPr lang="zh-CN" altLang="en-US" sz="1100" u="none" strike="noStrike">
+                        <a:rPr lang="zh-CN" altLang="en-US" sz="1100" u="none" strike="noStrike" dirty="0">
                           <a:effectLst/>
                         </a:rPr>
                         <a:t>虚拟地址范围</a:t>
                       </a:r>
-                      <a:endParaRPr lang="zh-CN" altLang="en-US" sz="1100" b="0" i="0" u="none" strike="noStrike">
+                      <a:endParaRPr lang="zh-CN" altLang="en-US" sz="1100" b="0" i="0" u="none" strike="noStrike" dirty="0">
                         <a:solidFill>
                           <a:srgbClr val="000000"/>
                         </a:solidFill>
@@ -3584,12 +3589,12 @@
                     <a:p>
                       <a:pPr algn="l" fontAlgn="ctr"/>
                       <a:r>
-                        <a:rPr lang="en-US" sz="1100" u="none" strike="noStrike">
+                        <a:rPr lang="en-US" sz="1100" u="none" strike="noStrike" dirty="0" err="1">
                           <a:effectLst/>
                         </a:rPr>
                         <a:t>kuseg</a:t>
                       </a:r>
-                      <a:endParaRPr lang="en-US" sz="1100" b="0" i="0" u="none" strike="noStrike">
+                      <a:endParaRPr lang="en-US" sz="1100" b="0" i="0" u="none" strike="noStrike" dirty="0">
                         <a:solidFill>
                           <a:srgbClr val="000000"/>
                         </a:solidFill>
@@ -3608,12 +3613,12 @@
                     <a:p>
                       <a:pPr algn="l" fontAlgn="ctr"/>
                       <a:r>
-                        <a:rPr lang="en-US" sz="1100" u="none" strike="noStrike">
+                        <a:rPr lang="en-US" sz="1100" u="none" strike="noStrike" dirty="0">
                           <a:effectLst/>
                         </a:rPr>
                         <a:t>0x00000000-0x7FFFFFFF</a:t>
                       </a:r>
-                      <a:endParaRPr lang="en-US" sz="1100" b="0" i="0" u="none" strike="noStrike">
+                      <a:endParaRPr lang="en-US" sz="1100" b="0" i="0" u="none" strike="noStrike" dirty="0">
                         <a:solidFill>
                           <a:srgbClr val="000000"/>
                         </a:solidFill>
